--- a/Presentations/Marti_presentation/Studyathon_MC.pptx
+++ b/Presentations/Marti_presentation/Studyathon_MC.pptx
@@ -1117,7 +1117,7 @@
           <a:p>
             <a:fld id="{09CA1AF3-D7CA-4C5F-B720-227F51F8DFB0}" type="datetimeFigureOut">
               <a:rPr lang="en-GB" smtClean="0"/>
-              <a:t>03/05/2022</a:t>
+              <a:t>20/06/2022</a:t>
             </a:fld>
             <a:endParaRPr lang="en-GB"/>
           </a:p>
@@ -5462,17 +5462,7 @@
             </a:pPr>
             <a:r>
               <a:rPr lang="en-GB" dirty="0"/>
-              <a:t> Received Pfizer Vaccine against covid-19 (Drug Era </a:t>
-            </a:r>
-            <a:r>
-              <a:rPr lang="en-GB" dirty="0">
-                <a:effectLst/>
-              </a:rPr>
-              <a:t>37003432)</a:t>
-            </a:r>
-            <a:r>
-              <a:rPr lang="en-GB" dirty="0"/>
-              <a:t> </a:t>
+              <a:t> First Viral sinusitis (Condition Occurrence 4112343) </a:t>
             </a:r>
           </a:p>
         </p:txBody>
